--- a/Ch1_EVS/Figures/EVS_figures.pptx
+++ b/Ch1_EVS/Figures/EVS_figures.pptx
@@ -8,6 +8,7 @@
     <p:sldId id="256" r:id="rId2"/>
     <p:sldId id="257" r:id="rId3"/>
     <p:sldId id="258" r:id="rId4"/>
+    <p:sldId id="259" r:id="rId5"/>
   </p:sldIdLst>
   <p:sldSz cx="12192000" cy="6858000"/>
   <p:notesSz cx="6858000" cy="9144000"/>
@@ -106,6 +107,11 @@
       </a:defRPr>
     </a:lvl9pPr>
   </p:defaultTextStyle>
+  <p:extLst>
+    <p:ext uri="{EFAFB233-063F-42B5-8137-9DF3F51BA10A}">
+      <p15:sldGuideLst xmlns:p15="http://schemas.microsoft.com/office/powerpoint/2012/main"/>
+    </p:ext>
+  </p:extLst>
 </p:presentation>
 </file>
 
@@ -256,7 +262,7 @@
           <a:p>
             <a:fld id="{9C948CA8-9C6F-1744-99EE-CC96A4E40F74}" type="datetimeFigureOut">
               <a:rPr lang="en-US" smtClean="0"/>
-              <a:t>11/23/21</a:t>
+              <a:t>12/26/21</a:t>
             </a:fld>
             <a:endParaRPr lang="en-US"/>
           </a:p>
@@ -454,7 +460,7 @@
           <a:p>
             <a:fld id="{9C948CA8-9C6F-1744-99EE-CC96A4E40F74}" type="datetimeFigureOut">
               <a:rPr lang="en-US" smtClean="0"/>
-              <a:t>11/23/21</a:t>
+              <a:t>12/26/21</a:t>
             </a:fld>
             <a:endParaRPr lang="en-US"/>
           </a:p>
@@ -662,7 +668,7 @@
           <a:p>
             <a:fld id="{9C948CA8-9C6F-1744-99EE-CC96A4E40F74}" type="datetimeFigureOut">
               <a:rPr lang="en-US" smtClean="0"/>
-              <a:t>11/23/21</a:t>
+              <a:t>12/26/21</a:t>
             </a:fld>
             <a:endParaRPr lang="en-US"/>
           </a:p>
@@ -860,7 +866,7 @@
           <a:p>
             <a:fld id="{9C948CA8-9C6F-1744-99EE-CC96A4E40F74}" type="datetimeFigureOut">
               <a:rPr lang="en-US" smtClean="0"/>
-              <a:t>11/23/21</a:t>
+              <a:t>12/26/21</a:t>
             </a:fld>
             <a:endParaRPr lang="en-US"/>
           </a:p>
@@ -1135,7 +1141,7 @@
           <a:p>
             <a:fld id="{9C948CA8-9C6F-1744-99EE-CC96A4E40F74}" type="datetimeFigureOut">
               <a:rPr lang="en-US" smtClean="0"/>
-              <a:t>11/23/21</a:t>
+              <a:t>12/26/21</a:t>
             </a:fld>
             <a:endParaRPr lang="en-US"/>
           </a:p>
@@ -1400,7 +1406,7 @@
           <a:p>
             <a:fld id="{9C948CA8-9C6F-1744-99EE-CC96A4E40F74}" type="datetimeFigureOut">
               <a:rPr lang="en-US" smtClean="0"/>
-              <a:t>11/23/21</a:t>
+              <a:t>12/26/21</a:t>
             </a:fld>
             <a:endParaRPr lang="en-US"/>
           </a:p>
@@ -1812,7 +1818,7 @@
           <a:p>
             <a:fld id="{9C948CA8-9C6F-1744-99EE-CC96A4E40F74}" type="datetimeFigureOut">
               <a:rPr lang="en-US" smtClean="0"/>
-              <a:t>11/23/21</a:t>
+              <a:t>12/26/21</a:t>
             </a:fld>
             <a:endParaRPr lang="en-US"/>
           </a:p>
@@ -1953,7 +1959,7 @@
           <a:p>
             <a:fld id="{9C948CA8-9C6F-1744-99EE-CC96A4E40F74}" type="datetimeFigureOut">
               <a:rPr lang="en-US" smtClean="0"/>
-              <a:t>11/23/21</a:t>
+              <a:t>12/26/21</a:t>
             </a:fld>
             <a:endParaRPr lang="en-US"/>
           </a:p>
@@ -2066,7 +2072,7 @@
           <a:p>
             <a:fld id="{9C948CA8-9C6F-1744-99EE-CC96A4E40F74}" type="datetimeFigureOut">
               <a:rPr lang="en-US" smtClean="0"/>
-              <a:t>11/23/21</a:t>
+              <a:t>12/26/21</a:t>
             </a:fld>
             <a:endParaRPr lang="en-US"/>
           </a:p>
@@ -2377,7 +2383,7 @@
           <a:p>
             <a:fld id="{9C948CA8-9C6F-1744-99EE-CC96A4E40F74}" type="datetimeFigureOut">
               <a:rPr lang="en-US" smtClean="0"/>
-              <a:t>11/23/21</a:t>
+              <a:t>12/26/21</a:t>
             </a:fld>
             <a:endParaRPr lang="en-US"/>
           </a:p>
@@ -2665,7 +2671,7 @@
           <a:p>
             <a:fld id="{9C948CA8-9C6F-1744-99EE-CC96A4E40F74}" type="datetimeFigureOut">
               <a:rPr lang="en-US" smtClean="0"/>
-              <a:t>11/23/21</a:t>
+              <a:t>12/26/21</a:t>
             </a:fld>
             <a:endParaRPr lang="en-US"/>
           </a:p>
@@ -2906,7 +2912,7 @@
           <a:p>
             <a:fld id="{9C948CA8-9C6F-1744-99EE-CC96A4E40F74}" type="datetimeFigureOut">
               <a:rPr lang="en-US" smtClean="0"/>
-              <a:t>11/23/21</a:t>
+              <a:t>12/26/21</a:t>
             </a:fld>
             <a:endParaRPr lang="en-US"/>
           </a:p>
@@ -3819,8 +3825,8 @@
           <a:chExt cx="0" cy="0"/>
         </a:xfrm>
       </p:grpSpPr>
-      <mc:AlternateContent xmlns:mc="http://schemas.openxmlformats.org/markup-compatibility/2006">
-        <mc:Choice xmlns:a14="http://schemas.microsoft.com/office/drawing/2010/main" Requires="a14">
+      <mc:AlternateContent xmlns:mc="http://schemas.openxmlformats.org/markup-compatibility/2006" xmlns:a14="http://schemas.microsoft.com/office/drawing/2010/main">
+        <mc:Choice Requires="a14">
           <p:sp>
             <p:nvSpPr>
               <p:cNvPr id="4" name="TextBox 3">
@@ -3870,7 +3876,7 @@
             </p:txBody>
           </p:sp>
         </mc:Choice>
-        <mc:Fallback>
+        <mc:Fallback xmlns="">
           <p:sp>
             <p:nvSpPr>
               <p:cNvPr id="4" name="TextBox 3">
@@ -4121,8 +4127,8 @@
           </p:sp>
         </mc:Fallback>
       </mc:AlternateContent>
-      <mc:AlternateContent xmlns:mc="http://schemas.openxmlformats.org/markup-compatibility/2006">
-        <mc:Choice xmlns:a14="http://schemas.microsoft.com/office/drawing/2010/main" Requires="a14">
+      <mc:AlternateContent xmlns:mc="http://schemas.openxmlformats.org/markup-compatibility/2006" xmlns:a14="http://schemas.microsoft.com/office/drawing/2010/main">
+        <mc:Choice Requires="a14">
           <p:sp>
             <p:nvSpPr>
               <p:cNvPr id="5" name="TextBox 4">
@@ -4188,7 +4194,7 @@
             </p:txBody>
           </p:sp>
         </mc:Choice>
-        <mc:Fallback>
+        <mc:Fallback xmlns="">
           <p:sp>
             <p:nvSpPr>
               <p:cNvPr id="5" name="TextBox 4">
@@ -4328,6 +4334,2063 @@
     <p:extLst>
       <p:ext uri="{BB962C8B-B14F-4D97-AF65-F5344CB8AC3E}">
         <p14:creationId xmlns:p14="http://schemas.microsoft.com/office/powerpoint/2010/main" val="1792603988"/>
+      </p:ext>
+    </p:extLst>
+  </p:cSld>
+  <p:clrMapOvr>
+    <a:masterClrMapping/>
+  </p:clrMapOvr>
+</p:sld>
+</file>
+
+<file path=ppt/slides/slide4.xml><?xml version="1.0" encoding="utf-8"?>
+<p:sld xmlns:a="http://schemas.openxmlformats.org/drawingml/2006/main" xmlns:r="http://schemas.openxmlformats.org/officeDocument/2006/relationships" xmlns:p="http://schemas.openxmlformats.org/presentationml/2006/main">
+  <p:cSld>
+    <p:spTree>
+      <p:nvGrpSpPr>
+        <p:cNvPr id="1" name=""/>
+        <p:cNvGrpSpPr/>
+        <p:nvPr/>
+      </p:nvGrpSpPr>
+      <p:grpSpPr>
+        <a:xfrm>
+          <a:off x="0" y="0"/>
+          <a:ext cx="0" cy="0"/>
+          <a:chOff x="0" y="0"/>
+          <a:chExt cx="0" cy="0"/>
+        </a:xfrm>
+      </p:grpSpPr>
+      <p:grpSp>
+        <p:nvGrpSpPr>
+          <p:cNvPr id="11" name="Group 10">
+            <a:extLst>
+              <a:ext uri="{FF2B5EF4-FFF2-40B4-BE49-F238E27FC236}">
+                <a16:creationId xmlns:a16="http://schemas.microsoft.com/office/drawing/2014/main" id="{F78BA146-93BE-C843-888D-951AE0D25121}"/>
+              </a:ext>
+            </a:extLst>
+          </p:cNvPr>
+          <p:cNvGrpSpPr/>
+          <p:nvPr/>
+        </p:nvGrpSpPr>
+        <p:grpSpPr>
+          <a:xfrm>
+            <a:off x="1138793" y="1261766"/>
+            <a:ext cx="2603653" cy="4334468"/>
+            <a:chOff x="1138793" y="1261766"/>
+            <a:chExt cx="2603653" cy="4334468"/>
+          </a:xfrm>
+        </p:grpSpPr>
+        <p:pic>
+          <p:nvPicPr>
+            <p:cNvPr id="5" name="Graphic 4">
+              <a:extLst>
+                <a:ext uri="{FF2B5EF4-FFF2-40B4-BE49-F238E27FC236}">
+                  <a16:creationId xmlns:a16="http://schemas.microsoft.com/office/drawing/2014/main" id="{BCE55A1F-6C51-9F4C-836F-6439D4BCF5D4}"/>
+                </a:ext>
+              </a:extLst>
+            </p:cNvPr>
+            <p:cNvPicPr>
+              <a:picLocks noChangeAspect="1"/>
+            </p:cNvPicPr>
+            <p:nvPr/>
+          </p:nvPicPr>
+          <p:blipFill>
+            <a:blip r:embed="rId2">
+              <a:extLst>
+                <a:ext uri="{96DAC541-7B7A-43D3-8B79-37D633B846F1}">
+                  <asvg:svgBlip xmlns:asvg="http://schemas.microsoft.com/office/drawing/2016/SVG/main" r:embed="rId3"/>
+                </a:ext>
+              </a:extLst>
+            </a:blip>
+            <a:stretch>
+              <a:fillRect/>
+            </a:stretch>
+          </p:blipFill>
+          <p:spPr>
+            <a:xfrm>
+              <a:off x="1191867" y="1417426"/>
+              <a:ext cx="2550579" cy="4178808"/>
+            </a:xfrm>
+            <a:prstGeom prst="rect">
+              <a:avLst/>
+            </a:prstGeom>
+          </p:spPr>
+        </p:pic>
+        <p:sp>
+          <p:nvSpPr>
+            <p:cNvPr id="7" name="TextBox 6">
+              <a:extLst>
+                <a:ext uri="{FF2B5EF4-FFF2-40B4-BE49-F238E27FC236}">
+                  <a16:creationId xmlns:a16="http://schemas.microsoft.com/office/drawing/2014/main" id="{D9C9272F-60BC-F74D-9C6E-EC503585B51C}"/>
+                </a:ext>
+              </a:extLst>
+            </p:cNvPr>
+            <p:cNvSpPr txBox="1"/>
+            <p:nvPr/>
+          </p:nvSpPr>
+          <p:spPr>
+            <a:xfrm>
+              <a:off x="1138793" y="3040521"/>
+              <a:ext cx="779765" cy="677385"/>
+            </a:xfrm>
+            <a:prstGeom prst="rect">
+              <a:avLst/>
+            </a:prstGeom>
+            <a:solidFill>
+              <a:schemeClr val="bg1"/>
+            </a:solidFill>
+          </p:spPr>
+          <p:txBody>
+            <a:bodyPr wrap="square" rtlCol="0">
+              <a:spAutoFit/>
+            </a:bodyPr>
+            <a:lstStyle/>
+            <a:p>
+              <a:endParaRPr lang="en-US" dirty="0"/>
+            </a:p>
+          </p:txBody>
+        </p:sp>
+        <p:sp>
+          <p:nvSpPr>
+            <p:cNvPr id="8" name="TextBox 7">
+              <a:extLst>
+                <a:ext uri="{FF2B5EF4-FFF2-40B4-BE49-F238E27FC236}">
+                  <a16:creationId xmlns:a16="http://schemas.microsoft.com/office/drawing/2014/main" id="{3D9A86FF-FE8F-3542-B8B2-3F5FD1C9D81B}"/>
+                </a:ext>
+              </a:extLst>
+            </p:cNvPr>
+            <p:cNvSpPr txBox="1"/>
+            <p:nvPr/>
+          </p:nvSpPr>
+          <p:spPr>
+            <a:xfrm>
+              <a:off x="2748810" y="1261766"/>
+              <a:ext cx="353418" cy="369332"/>
+            </a:xfrm>
+            <a:prstGeom prst="rect">
+              <a:avLst/>
+            </a:prstGeom>
+            <a:solidFill>
+              <a:schemeClr val="bg1"/>
+            </a:solidFill>
+          </p:spPr>
+          <p:txBody>
+            <a:bodyPr wrap="square" rtlCol="0">
+              <a:spAutoFit/>
+            </a:bodyPr>
+            <a:lstStyle/>
+            <a:p>
+              <a:endParaRPr lang="en-US" dirty="0"/>
+            </a:p>
+          </p:txBody>
+        </p:sp>
+        <p:sp>
+          <p:nvSpPr>
+            <p:cNvPr id="9" name="TextBox 8">
+              <a:extLst>
+                <a:ext uri="{FF2B5EF4-FFF2-40B4-BE49-F238E27FC236}">
+                  <a16:creationId xmlns:a16="http://schemas.microsoft.com/office/drawing/2014/main" id="{78CAFE26-BEFC-6344-825A-362F2F181E48}"/>
+                </a:ext>
+              </a:extLst>
+            </p:cNvPr>
+            <p:cNvSpPr txBox="1"/>
+            <p:nvPr/>
+          </p:nvSpPr>
+          <p:spPr>
+            <a:xfrm>
+              <a:off x="1648588" y="1537089"/>
+              <a:ext cx="488054" cy="369332"/>
+            </a:xfrm>
+            <a:prstGeom prst="rect">
+              <a:avLst/>
+            </a:prstGeom>
+            <a:solidFill>
+              <a:schemeClr val="bg1"/>
+            </a:solidFill>
+          </p:spPr>
+          <p:txBody>
+            <a:bodyPr wrap="square" rtlCol="0">
+              <a:spAutoFit/>
+            </a:bodyPr>
+            <a:lstStyle/>
+            <a:p>
+              <a:endParaRPr lang="en-US" dirty="0"/>
+            </a:p>
+          </p:txBody>
+        </p:sp>
+        <p:sp>
+          <p:nvSpPr>
+            <p:cNvPr id="10" name="TextBox 9">
+              <a:extLst>
+                <a:ext uri="{FF2B5EF4-FFF2-40B4-BE49-F238E27FC236}">
+                  <a16:creationId xmlns:a16="http://schemas.microsoft.com/office/drawing/2014/main" id="{51F6F270-F0D7-2944-BFD6-FC5C25529EA4}"/>
+                </a:ext>
+              </a:extLst>
+            </p:cNvPr>
+            <p:cNvSpPr txBox="1"/>
+            <p:nvPr/>
+          </p:nvSpPr>
+          <p:spPr>
+            <a:xfrm>
+              <a:off x="1360497" y="1906421"/>
+              <a:ext cx="488054" cy="369332"/>
+            </a:xfrm>
+            <a:prstGeom prst="rect">
+              <a:avLst/>
+            </a:prstGeom>
+            <a:solidFill>
+              <a:schemeClr val="bg1"/>
+            </a:solidFill>
+          </p:spPr>
+          <p:txBody>
+            <a:bodyPr wrap="square" rtlCol="0">
+              <a:spAutoFit/>
+            </a:bodyPr>
+            <a:lstStyle/>
+            <a:p>
+              <a:endParaRPr lang="en-US" dirty="0"/>
+            </a:p>
+          </p:txBody>
+        </p:sp>
+      </p:grpSp>
+      <p:grpSp>
+        <p:nvGrpSpPr>
+          <p:cNvPr id="12" name="Group 11">
+            <a:extLst>
+              <a:ext uri="{FF2B5EF4-FFF2-40B4-BE49-F238E27FC236}">
+                <a16:creationId xmlns:a16="http://schemas.microsoft.com/office/drawing/2014/main" id="{8BA2A549-C002-C046-8BF3-3F0A2AC5EE9E}"/>
+              </a:ext>
+            </a:extLst>
+          </p:cNvPr>
+          <p:cNvGrpSpPr/>
+          <p:nvPr/>
+        </p:nvGrpSpPr>
+        <p:grpSpPr>
+          <a:xfrm>
+            <a:off x="4659171" y="1211979"/>
+            <a:ext cx="2603653" cy="4334468"/>
+            <a:chOff x="1138793" y="1261766"/>
+            <a:chExt cx="2603653" cy="4334468"/>
+          </a:xfrm>
+        </p:grpSpPr>
+        <p:pic>
+          <p:nvPicPr>
+            <p:cNvPr id="13" name="Graphic 12">
+              <a:extLst>
+                <a:ext uri="{FF2B5EF4-FFF2-40B4-BE49-F238E27FC236}">
+                  <a16:creationId xmlns:a16="http://schemas.microsoft.com/office/drawing/2014/main" id="{F4B391CB-0994-D940-808E-1A2A0DC41787}"/>
+                </a:ext>
+              </a:extLst>
+            </p:cNvPr>
+            <p:cNvPicPr>
+              <a:picLocks noChangeAspect="1"/>
+            </p:cNvPicPr>
+            <p:nvPr/>
+          </p:nvPicPr>
+          <p:blipFill>
+            <a:blip r:embed="rId2">
+              <a:extLst>
+                <a:ext uri="{96DAC541-7B7A-43D3-8B79-37D633B846F1}">
+                  <asvg:svgBlip xmlns:asvg="http://schemas.microsoft.com/office/drawing/2016/SVG/main" r:embed="rId3"/>
+                </a:ext>
+              </a:extLst>
+            </a:blip>
+            <a:stretch>
+              <a:fillRect/>
+            </a:stretch>
+          </p:blipFill>
+          <p:spPr>
+            <a:xfrm>
+              <a:off x="1191867" y="1417426"/>
+              <a:ext cx="2550579" cy="4178808"/>
+            </a:xfrm>
+            <a:prstGeom prst="rect">
+              <a:avLst/>
+            </a:prstGeom>
+          </p:spPr>
+        </p:pic>
+        <p:sp>
+          <p:nvSpPr>
+            <p:cNvPr id="14" name="TextBox 13">
+              <a:extLst>
+                <a:ext uri="{FF2B5EF4-FFF2-40B4-BE49-F238E27FC236}">
+                  <a16:creationId xmlns:a16="http://schemas.microsoft.com/office/drawing/2014/main" id="{D8800A4E-67F6-1B4B-871B-0A1616E0608E}"/>
+                </a:ext>
+              </a:extLst>
+            </p:cNvPr>
+            <p:cNvSpPr txBox="1"/>
+            <p:nvPr/>
+          </p:nvSpPr>
+          <p:spPr>
+            <a:xfrm>
+              <a:off x="1138793" y="3040521"/>
+              <a:ext cx="779765" cy="677385"/>
+            </a:xfrm>
+            <a:prstGeom prst="rect">
+              <a:avLst/>
+            </a:prstGeom>
+            <a:solidFill>
+              <a:schemeClr val="bg1"/>
+            </a:solidFill>
+          </p:spPr>
+          <p:txBody>
+            <a:bodyPr wrap="square" rtlCol="0">
+              <a:spAutoFit/>
+            </a:bodyPr>
+            <a:lstStyle/>
+            <a:p>
+              <a:endParaRPr lang="en-US" dirty="0"/>
+            </a:p>
+          </p:txBody>
+        </p:sp>
+        <p:sp>
+          <p:nvSpPr>
+            <p:cNvPr id="15" name="TextBox 14">
+              <a:extLst>
+                <a:ext uri="{FF2B5EF4-FFF2-40B4-BE49-F238E27FC236}">
+                  <a16:creationId xmlns:a16="http://schemas.microsoft.com/office/drawing/2014/main" id="{05FAA061-9C4D-5349-8563-EBC1AA80C355}"/>
+                </a:ext>
+              </a:extLst>
+            </p:cNvPr>
+            <p:cNvSpPr txBox="1"/>
+            <p:nvPr/>
+          </p:nvSpPr>
+          <p:spPr>
+            <a:xfrm>
+              <a:off x="2748810" y="1261766"/>
+              <a:ext cx="353418" cy="369332"/>
+            </a:xfrm>
+            <a:prstGeom prst="rect">
+              <a:avLst/>
+            </a:prstGeom>
+            <a:solidFill>
+              <a:schemeClr val="bg1"/>
+            </a:solidFill>
+          </p:spPr>
+          <p:txBody>
+            <a:bodyPr wrap="square" rtlCol="0">
+              <a:spAutoFit/>
+            </a:bodyPr>
+            <a:lstStyle/>
+            <a:p>
+              <a:endParaRPr lang="en-US" dirty="0"/>
+            </a:p>
+          </p:txBody>
+        </p:sp>
+        <p:sp>
+          <p:nvSpPr>
+            <p:cNvPr id="16" name="TextBox 15">
+              <a:extLst>
+                <a:ext uri="{FF2B5EF4-FFF2-40B4-BE49-F238E27FC236}">
+                  <a16:creationId xmlns:a16="http://schemas.microsoft.com/office/drawing/2014/main" id="{0E50A730-64CA-564A-9231-338C10364400}"/>
+                </a:ext>
+              </a:extLst>
+            </p:cNvPr>
+            <p:cNvSpPr txBox="1"/>
+            <p:nvPr/>
+          </p:nvSpPr>
+          <p:spPr>
+            <a:xfrm>
+              <a:off x="1648588" y="1537089"/>
+              <a:ext cx="488054" cy="369332"/>
+            </a:xfrm>
+            <a:prstGeom prst="rect">
+              <a:avLst/>
+            </a:prstGeom>
+            <a:solidFill>
+              <a:schemeClr val="bg1"/>
+            </a:solidFill>
+          </p:spPr>
+          <p:txBody>
+            <a:bodyPr wrap="square" rtlCol="0">
+              <a:spAutoFit/>
+            </a:bodyPr>
+            <a:lstStyle/>
+            <a:p>
+              <a:endParaRPr lang="en-US" dirty="0"/>
+            </a:p>
+          </p:txBody>
+        </p:sp>
+        <p:sp>
+          <p:nvSpPr>
+            <p:cNvPr id="17" name="TextBox 16">
+              <a:extLst>
+                <a:ext uri="{FF2B5EF4-FFF2-40B4-BE49-F238E27FC236}">
+                  <a16:creationId xmlns:a16="http://schemas.microsoft.com/office/drawing/2014/main" id="{3091354F-3345-9F49-BA40-B7074E167B8F}"/>
+                </a:ext>
+              </a:extLst>
+            </p:cNvPr>
+            <p:cNvSpPr txBox="1"/>
+            <p:nvPr/>
+          </p:nvSpPr>
+          <p:spPr>
+            <a:xfrm>
+              <a:off x="1360497" y="1906421"/>
+              <a:ext cx="488054" cy="369332"/>
+            </a:xfrm>
+            <a:prstGeom prst="rect">
+              <a:avLst/>
+            </a:prstGeom>
+            <a:solidFill>
+              <a:schemeClr val="bg1"/>
+            </a:solidFill>
+          </p:spPr>
+          <p:txBody>
+            <a:bodyPr wrap="square" rtlCol="0">
+              <a:spAutoFit/>
+            </a:bodyPr>
+            <a:lstStyle/>
+            <a:p>
+              <a:endParaRPr lang="en-US" dirty="0"/>
+            </a:p>
+          </p:txBody>
+        </p:sp>
+      </p:grpSp>
+      <p:grpSp>
+        <p:nvGrpSpPr>
+          <p:cNvPr id="18" name="Group 17">
+            <a:extLst>
+              <a:ext uri="{FF2B5EF4-FFF2-40B4-BE49-F238E27FC236}">
+                <a16:creationId xmlns:a16="http://schemas.microsoft.com/office/drawing/2014/main" id="{3F08EB2E-B89F-0E4D-ADD4-017CF97A2ACD}"/>
+              </a:ext>
+            </a:extLst>
+          </p:cNvPr>
+          <p:cNvGrpSpPr/>
+          <p:nvPr/>
+        </p:nvGrpSpPr>
+        <p:grpSpPr>
+          <a:xfrm>
+            <a:off x="8154524" y="1162192"/>
+            <a:ext cx="2603653" cy="4334468"/>
+            <a:chOff x="1138793" y="1261766"/>
+            <a:chExt cx="2603653" cy="4334468"/>
+          </a:xfrm>
+        </p:grpSpPr>
+        <p:pic>
+          <p:nvPicPr>
+            <p:cNvPr id="19" name="Graphic 18">
+              <a:extLst>
+                <a:ext uri="{FF2B5EF4-FFF2-40B4-BE49-F238E27FC236}">
+                  <a16:creationId xmlns:a16="http://schemas.microsoft.com/office/drawing/2014/main" id="{1DAE6C9D-B9C5-9346-856B-1D6AD4B083B8}"/>
+                </a:ext>
+              </a:extLst>
+            </p:cNvPr>
+            <p:cNvPicPr>
+              <a:picLocks noChangeAspect="1"/>
+            </p:cNvPicPr>
+            <p:nvPr/>
+          </p:nvPicPr>
+          <p:blipFill>
+            <a:blip r:embed="rId2">
+              <a:extLst>
+                <a:ext uri="{96DAC541-7B7A-43D3-8B79-37D633B846F1}">
+                  <asvg:svgBlip xmlns:asvg="http://schemas.microsoft.com/office/drawing/2016/SVG/main" r:embed="rId3"/>
+                </a:ext>
+              </a:extLst>
+            </a:blip>
+            <a:stretch>
+              <a:fillRect/>
+            </a:stretch>
+          </p:blipFill>
+          <p:spPr>
+            <a:xfrm>
+              <a:off x="1191867" y="1417426"/>
+              <a:ext cx="2550579" cy="4178808"/>
+            </a:xfrm>
+            <a:prstGeom prst="rect">
+              <a:avLst/>
+            </a:prstGeom>
+          </p:spPr>
+        </p:pic>
+        <p:sp>
+          <p:nvSpPr>
+            <p:cNvPr id="20" name="TextBox 19">
+              <a:extLst>
+                <a:ext uri="{FF2B5EF4-FFF2-40B4-BE49-F238E27FC236}">
+                  <a16:creationId xmlns:a16="http://schemas.microsoft.com/office/drawing/2014/main" id="{987C01A4-E75C-7947-BC96-89AA8905F121}"/>
+                </a:ext>
+              </a:extLst>
+            </p:cNvPr>
+            <p:cNvSpPr txBox="1"/>
+            <p:nvPr/>
+          </p:nvSpPr>
+          <p:spPr>
+            <a:xfrm>
+              <a:off x="1138793" y="3040521"/>
+              <a:ext cx="779765" cy="677385"/>
+            </a:xfrm>
+            <a:prstGeom prst="rect">
+              <a:avLst/>
+            </a:prstGeom>
+            <a:solidFill>
+              <a:schemeClr val="bg1"/>
+            </a:solidFill>
+          </p:spPr>
+          <p:txBody>
+            <a:bodyPr wrap="square" rtlCol="0">
+              <a:spAutoFit/>
+            </a:bodyPr>
+            <a:lstStyle/>
+            <a:p>
+              <a:endParaRPr lang="en-US" dirty="0"/>
+            </a:p>
+          </p:txBody>
+        </p:sp>
+        <p:sp>
+          <p:nvSpPr>
+            <p:cNvPr id="21" name="TextBox 20">
+              <a:extLst>
+                <a:ext uri="{FF2B5EF4-FFF2-40B4-BE49-F238E27FC236}">
+                  <a16:creationId xmlns:a16="http://schemas.microsoft.com/office/drawing/2014/main" id="{6C658BED-5D3B-C845-A865-A4F6F31EA1B9}"/>
+                </a:ext>
+              </a:extLst>
+            </p:cNvPr>
+            <p:cNvSpPr txBox="1"/>
+            <p:nvPr/>
+          </p:nvSpPr>
+          <p:spPr>
+            <a:xfrm>
+              <a:off x="2748810" y="1261766"/>
+              <a:ext cx="353418" cy="369332"/>
+            </a:xfrm>
+            <a:prstGeom prst="rect">
+              <a:avLst/>
+            </a:prstGeom>
+            <a:solidFill>
+              <a:schemeClr val="bg1"/>
+            </a:solidFill>
+          </p:spPr>
+          <p:txBody>
+            <a:bodyPr wrap="square" rtlCol="0">
+              <a:spAutoFit/>
+            </a:bodyPr>
+            <a:lstStyle/>
+            <a:p>
+              <a:endParaRPr lang="en-US" dirty="0"/>
+            </a:p>
+          </p:txBody>
+        </p:sp>
+        <p:sp>
+          <p:nvSpPr>
+            <p:cNvPr id="22" name="TextBox 21">
+              <a:extLst>
+                <a:ext uri="{FF2B5EF4-FFF2-40B4-BE49-F238E27FC236}">
+                  <a16:creationId xmlns:a16="http://schemas.microsoft.com/office/drawing/2014/main" id="{F1316A49-7FA7-7740-B130-6B8C4A054E6D}"/>
+                </a:ext>
+              </a:extLst>
+            </p:cNvPr>
+            <p:cNvSpPr txBox="1"/>
+            <p:nvPr/>
+          </p:nvSpPr>
+          <p:spPr>
+            <a:xfrm>
+              <a:off x="1648588" y="1537089"/>
+              <a:ext cx="488054" cy="369332"/>
+            </a:xfrm>
+            <a:prstGeom prst="rect">
+              <a:avLst/>
+            </a:prstGeom>
+            <a:solidFill>
+              <a:schemeClr val="bg1"/>
+            </a:solidFill>
+          </p:spPr>
+          <p:txBody>
+            <a:bodyPr wrap="square" rtlCol="0">
+              <a:spAutoFit/>
+            </a:bodyPr>
+            <a:lstStyle/>
+            <a:p>
+              <a:endParaRPr lang="en-US" dirty="0"/>
+            </a:p>
+          </p:txBody>
+        </p:sp>
+        <p:sp>
+          <p:nvSpPr>
+            <p:cNvPr id="23" name="TextBox 22">
+              <a:extLst>
+                <a:ext uri="{FF2B5EF4-FFF2-40B4-BE49-F238E27FC236}">
+                  <a16:creationId xmlns:a16="http://schemas.microsoft.com/office/drawing/2014/main" id="{C5AFB4A0-E244-FB45-86B8-8B13AE2074E6}"/>
+                </a:ext>
+              </a:extLst>
+            </p:cNvPr>
+            <p:cNvSpPr txBox="1"/>
+            <p:nvPr/>
+          </p:nvSpPr>
+          <p:spPr>
+            <a:xfrm>
+              <a:off x="1360497" y="1906421"/>
+              <a:ext cx="488054" cy="369332"/>
+            </a:xfrm>
+            <a:prstGeom prst="rect">
+              <a:avLst/>
+            </a:prstGeom>
+            <a:solidFill>
+              <a:schemeClr val="bg1"/>
+            </a:solidFill>
+          </p:spPr>
+          <p:txBody>
+            <a:bodyPr wrap="square" rtlCol="0">
+              <a:spAutoFit/>
+            </a:bodyPr>
+            <a:lstStyle/>
+            <a:p>
+              <a:endParaRPr lang="en-US" dirty="0"/>
+            </a:p>
+          </p:txBody>
+        </p:sp>
+      </p:grpSp>
+      <p:sp>
+        <p:nvSpPr>
+          <p:cNvPr id="30" name="TextBox 29">
+            <a:extLst>
+              <a:ext uri="{FF2B5EF4-FFF2-40B4-BE49-F238E27FC236}">
+                <a16:creationId xmlns:a16="http://schemas.microsoft.com/office/drawing/2014/main" id="{4DF44C90-FC62-CF4E-8DAB-6EEA817186DC}"/>
+              </a:ext>
+            </a:extLst>
+          </p:cNvPr>
+          <p:cNvSpPr txBox="1"/>
+          <p:nvPr/>
+        </p:nvSpPr>
+        <p:spPr>
+          <a:xfrm>
+            <a:off x="1307234" y="5840118"/>
+            <a:ext cx="2774054" cy="584775"/>
+          </a:xfrm>
+          <a:prstGeom prst="rect">
+            <a:avLst/>
+          </a:prstGeom>
+          <a:noFill/>
+        </p:spPr>
+        <p:txBody>
+          <a:bodyPr wrap="square" rtlCol="0">
+            <a:spAutoFit/>
+          </a:bodyPr>
+          <a:lstStyle/>
+          <a:p>
+            <a:r>
+              <a:rPr lang="en-US" sz="1600" dirty="0">
+                <a:latin typeface="Times New Roman" panose="02020603050405020304" pitchFamily="18" charset="0"/>
+                <a:cs typeface="Times New Roman" panose="02020603050405020304" pitchFamily="18" charset="0"/>
+              </a:rPr>
+              <a:t>Unit = 200 km,</a:t>
+            </a:r>
+          </a:p>
+          <a:p>
+            <a:r>
+              <a:rPr lang="en-US" sz="1600" dirty="0">
+                <a:latin typeface="Times New Roman" panose="02020603050405020304" pitchFamily="18" charset="0"/>
+                <a:cs typeface="Times New Roman" panose="02020603050405020304" pitchFamily="18" charset="0"/>
+              </a:rPr>
+              <a:t>Length = 2400 km (approx.)</a:t>
+            </a:r>
+          </a:p>
+        </p:txBody>
+      </p:sp>
+      <p:sp>
+        <p:nvSpPr>
+          <p:cNvPr id="31" name="TextBox 30">
+            <a:extLst>
+              <a:ext uri="{FF2B5EF4-FFF2-40B4-BE49-F238E27FC236}">
+                <a16:creationId xmlns:a16="http://schemas.microsoft.com/office/drawing/2014/main" id="{CF0B217D-9A64-8040-B487-BDF803F7E48D}"/>
+              </a:ext>
+            </a:extLst>
+          </p:cNvPr>
+          <p:cNvSpPr txBox="1"/>
+          <p:nvPr/>
+        </p:nvSpPr>
+        <p:spPr>
+          <a:xfrm>
+            <a:off x="4882161" y="5840118"/>
+            <a:ext cx="2774054" cy="584775"/>
+          </a:xfrm>
+          <a:prstGeom prst="rect">
+            <a:avLst/>
+          </a:prstGeom>
+          <a:noFill/>
+        </p:spPr>
+        <p:txBody>
+          <a:bodyPr wrap="square" rtlCol="0">
+            <a:spAutoFit/>
+          </a:bodyPr>
+          <a:lstStyle/>
+          <a:p>
+            <a:r>
+              <a:rPr lang="en-US" sz="1600" dirty="0">
+                <a:latin typeface="Times New Roman" panose="02020603050405020304" pitchFamily="18" charset="0"/>
+                <a:cs typeface="Times New Roman" panose="02020603050405020304" pitchFamily="18" charset="0"/>
+              </a:rPr>
+              <a:t>Unit = 100 km,</a:t>
+            </a:r>
+          </a:p>
+          <a:p>
+            <a:r>
+              <a:rPr lang="en-US" sz="1600" dirty="0">
+                <a:latin typeface="Times New Roman" panose="02020603050405020304" pitchFamily="18" charset="0"/>
+                <a:cs typeface="Times New Roman" panose="02020603050405020304" pitchFamily="18" charset="0"/>
+              </a:rPr>
+              <a:t>Length = 2800 km (approx.)</a:t>
+            </a:r>
+          </a:p>
+        </p:txBody>
+      </p:sp>
+      <p:sp>
+        <p:nvSpPr>
+          <p:cNvPr id="32" name="TextBox 31">
+            <a:extLst>
+              <a:ext uri="{FF2B5EF4-FFF2-40B4-BE49-F238E27FC236}">
+                <a16:creationId xmlns:a16="http://schemas.microsoft.com/office/drawing/2014/main" id="{1852A31A-A51E-BB47-B238-A5967B07834E}"/>
+              </a:ext>
+            </a:extLst>
+          </p:cNvPr>
+          <p:cNvSpPr txBox="1"/>
+          <p:nvPr/>
+        </p:nvSpPr>
+        <p:spPr>
+          <a:xfrm>
+            <a:off x="8377514" y="5815602"/>
+            <a:ext cx="2774054" cy="584775"/>
+          </a:xfrm>
+          <a:prstGeom prst="rect">
+            <a:avLst/>
+          </a:prstGeom>
+          <a:noFill/>
+        </p:spPr>
+        <p:txBody>
+          <a:bodyPr wrap="square" rtlCol="0">
+            <a:spAutoFit/>
+          </a:bodyPr>
+          <a:lstStyle/>
+          <a:p>
+            <a:r>
+              <a:rPr lang="en-US" sz="1600" dirty="0">
+                <a:latin typeface="Times New Roman" panose="02020603050405020304" pitchFamily="18" charset="0"/>
+                <a:cs typeface="Times New Roman" panose="02020603050405020304" pitchFamily="18" charset="0"/>
+              </a:rPr>
+              <a:t>Unit = 50 km,</a:t>
+            </a:r>
+          </a:p>
+          <a:p>
+            <a:r>
+              <a:rPr lang="en-US" sz="1600" dirty="0">
+                <a:latin typeface="Times New Roman" panose="02020603050405020304" pitchFamily="18" charset="0"/>
+                <a:cs typeface="Times New Roman" panose="02020603050405020304" pitchFamily="18" charset="0"/>
+              </a:rPr>
+              <a:t>Length = 3400 km (approx.)</a:t>
+            </a:r>
+          </a:p>
+        </p:txBody>
+      </p:sp>
+      <p:cxnSp>
+        <p:nvCxnSpPr>
+          <p:cNvPr id="34" name="Straight Connector 33">
+            <a:extLst>
+              <a:ext uri="{FF2B5EF4-FFF2-40B4-BE49-F238E27FC236}">
+                <a16:creationId xmlns:a16="http://schemas.microsoft.com/office/drawing/2014/main" id="{126406F3-CFFC-D842-AFFA-3C2586FD2119}"/>
+              </a:ext>
+            </a:extLst>
+          </p:cNvPr>
+          <p:cNvCxnSpPr>
+            <a:cxnSpLocks/>
+          </p:cNvCxnSpPr>
+          <p:nvPr/>
+        </p:nvCxnSpPr>
+        <p:spPr>
+          <a:xfrm>
+            <a:off x="1365409" y="5791201"/>
+            <a:ext cx="914400" cy="0"/>
+          </a:xfrm>
+          <a:prstGeom prst="line">
+            <a:avLst/>
+          </a:prstGeom>
+          <a:ln w="38100">
+            <a:solidFill>
+              <a:schemeClr val="bg1">
+                <a:lumMod val="50000"/>
+              </a:schemeClr>
+            </a:solidFill>
+          </a:ln>
+          <a:effectLst>
+            <a:glow rad="101600">
+              <a:schemeClr val="accent3">
+                <a:satMod val="175000"/>
+                <a:alpha val="40000"/>
+              </a:schemeClr>
+            </a:glow>
+            <a:outerShdw blurRad="50800" dist="38100" dir="2700000" algn="tl" rotWithShape="0">
+              <a:prstClr val="black">
+                <a:alpha val="40000"/>
+              </a:prstClr>
+            </a:outerShdw>
+          </a:effectLst>
+        </p:spPr>
+        <p:style>
+          <a:lnRef idx="1">
+            <a:schemeClr val="dk1"/>
+          </a:lnRef>
+          <a:fillRef idx="0">
+            <a:schemeClr val="dk1"/>
+          </a:fillRef>
+          <a:effectRef idx="0">
+            <a:schemeClr val="dk1"/>
+          </a:effectRef>
+          <a:fontRef idx="minor">
+            <a:schemeClr val="tx1"/>
+          </a:fontRef>
+        </p:style>
+      </p:cxnSp>
+      <p:cxnSp>
+        <p:nvCxnSpPr>
+          <p:cNvPr id="39" name="Straight Connector 38">
+            <a:extLst>
+              <a:ext uri="{FF2B5EF4-FFF2-40B4-BE49-F238E27FC236}">
+                <a16:creationId xmlns:a16="http://schemas.microsoft.com/office/drawing/2014/main" id="{FE50231F-7CAE-9549-B34A-CDA41315DDF0}"/>
+              </a:ext>
+            </a:extLst>
+          </p:cNvPr>
+          <p:cNvCxnSpPr>
+            <a:cxnSpLocks/>
+          </p:cNvCxnSpPr>
+          <p:nvPr/>
+        </p:nvCxnSpPr>
+        <p:spPr>
+          <a:xfrm>
+            <a:off x="4968119" y="5736038"/>
+            <a:ext cx="457200" cy="0"/>
+          </a:xfrm>
+          <a:prstGeom prst="line">
+            <a:avLst/>
+          </a:prstGeom>
+          <a:ln w="38100">
+            <a:solidFill>
+              <a:schemeClr val="bg1">
+                <a:lumMod val="50000"/>
+              </a:schemeClr>
+            </a:solidFill>
+          </a:ln>
+          <a:effectLst>
+            <a:glow rad="101600">
+              <a:schemeClr val="accent3">
+                <a:satMod val="175000"/>
+                <a:alpha val="40000"/>
+              </a:schemeClr>
+            </a:glow>
+            <a:outerShdw blurRad="50800" dist="38100" dir="2700000" algn="tl" rotWithShape="0">
+              <a:prstClr val="black">
+                <a:alpha val="40000"/>
+              </a:prstClr>
+            </a:outerShdw>
+          </a:effectLst>
+        </p:spPr>
+        <p:style>
+          <a:lnRef idx="1">
+            <a:schemeClr val="dk1"/>
+          </a:lnRef>
+          <a:fillRef idx="0">
+            <a:schemeClr val="dk1"/>
+          </a:fillRef>
+          <a:effectRef idx="0">
+            <a:schemeClr val="dk1"/>
+          </a:effectRef>
+          <a:fontRef idx="minor">
+            <a:schemeClr val="tx1"/>
+          </a:fontRef>
+        </p:style>
+      </p:cxnSp>
+      <p:cxnSp>
+        <p:nvCxnSpPr>
+          <p:cNvPr id="41" name="Straight Connector 40">
+            <a:extLst>
+              <a:ext uri="{FF2B5EF4-FFF2-40B4-BE49-F238E27FC236}">
+                <a16:creationId xmlns:a16="http://schemas.microsoft.com/office/drawing/2014/main" id="{7F7B411F-8F60-EA4B-A048-6F29DA18E5D6}"/>
+              </a:ext>
+            </a:extLst>
+          </p:cNvPr>
+          <p:cNvCxnSpPr>
+            <a:cxnSpLocks/>
+          </p:cNvCxnSpPr>
+          <p:nvPr/>
+        </p:nvCxnSpPr>
+        <p:spPr>
+          <a:xfrm>
+            <a:off x="8487327" y="5724162"/>
+            <a:ext cx="228600" cy="0"/>
+          </a:xfrm>
+          <a:prstGeom prst="line">
+            <a:avLst/>
+          </a:prstGeom>
+          <a:ln w="38100">
+            <a:solidFill>
+              <a:schemeClr val="bg1">
+                <a:lumMod val="50000"/>
+              </a:schemeClr>
+            </a:solidFill>
+          </a:ln>
+          <a:effectLst>
+            <a:glow rad="101600">
+              <a:schemeClr val="accent3">
+                <a:satMod val="175000"/>
+                <a:alpha val="40000"/>
+              </a:schemeClr>
+            </a:glow>
+            <a:outerShdw blurRad="50800" dist="38100" dir="2700000" algn="tl" rotWithShape="0">
+              <a:prstClr val="black">
+                <a:alpha val="40000"/>
+              </a:prstClr>
+            </a:outerShdw>
+          </a:effectLst>
+        </p:spPr>
+        <p:style>
+          <a:lnRef idx="1">
+            <a:schemeClr val="dk1"/>
+          </a:lnRef>
+          <a:fillRef idx="0">
+            <a:schemeClr val="dk1"/>
+          </a:fillRef>
+          <a:effectRef idx="0">
+            <a:schemeClr val="dk1"/>
+          </a:effectRef>
+          <a:fontRef idx="minor">
+            <a:schemeClr val="tx1"/>
+          </a:fontRef>
+        </p:style>
+      </p:cxnSp>
+      <p:sp>
+        <p:nvSpPr>
+          <p:cNvPr id="68" name="Freeform 67">
+            <a:extLst>
+              <a:ext uri="{FF2B5EF4-FFF2-40B4-BE49-F238E27FC236}">
+                <a16:creationId xmlns:a16="http://schemas.microsoft.com/office/drawing/2014/main" id="{F8F653C8-D143-E745-A764-D9FF3CE65DA3}"/>
+              </a:ext>
+            </a:extLst>
+          </p:cNvPr>
+          <p:cNvSpPr/>
+          <p:nvPr/>
+        </p:nvSpPr>
+        <p:spPr>
+          <a:xfrm>
+            <a:off x="1721922" y="1674421"/>
+            <a:ext cx="1757548" cy="3794166"/>
+          </a:xfrm>
+          <a:custGeom>
+            <a:avLst/>
+            <a:gdLst>
+              <a:gd name="connsiteX0" fmla="*/ 207818 w 1757548"/>
+              <a:gd name="connsiteY0" fmla="*/ 3782291 h 3794166"/>
+              <a:gd name="connsiteX1" fmla="*/ 1068779 w 1757548"/>
+              <a:gd name="connsiteY1" fmla="*/ 3794166 h 3794166"/>
+              <a:gd name="connsiteX2" fmla="*/ 1757548 w 1757548"/>
+              <a:gd name="connsiteY2" fmla="*/ 3331028 h 3794166"/>
+              <a:gd name="connsiteX3" fmla="*/ 1632857 w 1757548"/>
+              <a:gd name="connsiteY3" fmla="*/ 2476005 h 3794166"/>
+              <a:gd name="connsiteX4" fmla="*/ 1330036 w 1757548"/>
+              <a:gd name="connsiteY4" fmla="*/ 1704109 h 3794166"/>
+              <a:gd name="connsiteX5" fmla="*/ 1193470 w 1757548"/>
+              <a:gd name="connsiteY5" fmla="*/ 866898 h 3794166"/>
+              <a:gd name="connsiteX6" fmla="*/ 1181595 w 1757548"/>
+              <a:gd name="connsiteY6" fmla="*/ 0 h 3794166"/>
+              <a:gd name="connsiteX7" fmla="*/ 575953 w 1757548"/>
+              <a:gd name="connsiteY7" fmla="*/ 83127 h 3794166"/>
+              <a:gd name="connsiteX8" fmla="*/ 154379 w 1757548"/>
+              <a:gd name="connsiteY8" fmla="*/ 825335 h 3794166"/>
+              <a:gd name="connsiteX9" fmla="*/ 302821 w 1757548"/>
+              <a:gd name="connsiteY9" fmla="*/ 1644732 h 3794166"/>
+              <a:gd name="connsiteX10" fmla="*/ 724395 w 1757548"/>
+              <a:gd name="connsiteY10" fmla="*/ 2470067 h 3794166"/>
+              <a:gd name="connsiteX11" fmla="*/ 0 w 1757548"/>
+              <a:gd name="connsiteY11" fmla="*/ 2945080 h 3794166"/>
+              <a:gd name="connsiteX12" fmla="*/ 207818 w 1757548"/>
+              <a:gd name="connsiteY12" fmla="*/ 3782291 h 3794166"/>
+            </a:gdLst>
+            <a:ahLst/>
+            <a:cxnLst>
+              <a:cxn ang="0">
+                <a:pos x="connsiteX0" y="connsiteY0"/>
+              </a:cxn>
+              <a:cxn ang="0">
+                <a:pos x="connsiteX1" y="connsiteY1"/>
+              </a:cxn>
+              <a:cxn ang="0">
+                <a:pos x="connsiteX2" y="connsiteY2"/>
+              </a:cxn>
+              <a:cxn ang="0">
+                <a:pos x="connsiteX3" y="connsiteY3"/>
+              </a:cxn>
+              <a:cxn ang="0">
+                <a:pos x="connsiteX4" y="connsiteY4"/>
+              </a:cxn>
+              <a:cxn ang="0">
+                <a:pos x="connsiteX5" y="connsiteY5"/>
+              </a:cxn>
+              <a:cxn ang="0">
+                <a:pos x="connsiteX6" y="connsiteY6"/>
+              </a:cxn>
+              <a:cxn ang="0">
+                <a:pos x="connsiteX7" y="connsiteY7"/>
+              </a:cxn>
+              <a:cxn ang="0">
+                <a:pos x="connsiteX8" y="connsiteY8"/>
+              </a:cxn>
+              <a:cxn ang="0">
+                <a:pos x="connsiteX9" y="connsiteY9"/>
+              </a:cxn>
+              <a:cxn ang="0">
+                <a:pos x="connsiteX10" y="connsiteY10"/>
+              </a:cxn>
+              <a:cxn ang="0">
+                <a:pos x="connsiteX11" y="connsiteY11"/>
+              </a:cxn>
+              <a:cxn ang="0">
+                <a:pos x="connsiteX12" y="connsiteY12"/>
+              </a:cxn>
+            </a:cxnLst>
+            <a:rect l="l" t="t" r="r" b="b"/>
+            <a:pathLst>
+              <a:path w="1757548" h="3794166">
+                <a:moveTo>
+                  <a:pt x="207818" y="3782291"/>
+                </a:moveTo>
+                <a:lnTo>
+                  <a:pt x="1068779" y="3794166"/>
+                </a:lnTo>
+                <a:lnTo>
+                  <a:pt x="1757548" y="3331028"/>
+                </a:lnTo>
+                <a:lnTo>
+                  <a:pt x="1632857" y="2476005"/>
+                </a:lnTo>
+                <a:lnTo>
+                  <a:pt x="1330036" y="1704109"/>
+                </a:lnTo>
+                <a:lnTo>
+                  <a:pt x="1193470" y="866898"/>
+                </a:lnTo>
+                <a:lnTo>
+                  <a:pt x="1181595" y="0"/>
+                </a:lnTo>
+                <a:lnTo>
+                  <a:pt x="575953" y="83127"/>
+                </a:lnTo>
+                <a:lnTo>
+                  <a:pt x="154379" y="825335"/>
+                </a:lnTo>
+                <a:lnTo>
+                  <a:pt x="302821" y="1644732"/>
+                </a:lnTo>
+                <a:lnTo>
+                  <a:pt x="724395" y="2470067"/>
+                </a:lnTo>
+                <a:lnTo>
+                  <a:pt x="0" y="2945080"/>
+                </a:lnTo>
+                <a:lnTo>
+                  <a:pt x="207818" y="3782291"/>
+                </a:lnTo>
+                <a:close/>
+              </a:path>
+            </a:pathLst>
+          </a:custGeom>
+          <a:noFill/>
+          <a:ln w="28575">
+            <a:solidFill>
+              <a:schemeClr val="bg1">
+                <a:lumMod val="50000"/>
+              </a:schemeClr>
+            </a:solidFill>
+          </a:ln>
+          <a:effectLst>
+            <a:glow rad="101600">
+              <a:schemeClr val="accent3">
+                <a:satMod val="175000"/>
+                <a:alpha val="40000"/>
+              </a:schemeClr>
+            </a:glow>
+          </a:effectLst>
+        </p:spPr>
+        <p:style>
+          <a:lnRef idx="2">
+            <a:schemeClr val="accent1">
+              <a:shade val="50000"/>
+            </a:schemeClr>
+          </a:lnRef>
+          <a:fillRef idx="1">
+            <a:schemeClr val="accent1"/>
+          </a:fillRef>
+          <a:effectRef idx="0">
+            <a:schemeClr val="accent1"/>
+          </a:effectRef>
+          <a:fontRef idx="minor">
+            <a:schemeClr val="lt1"/>
+          </a:fontRef>
+        </p:style>
+        <p:txBody>
+          <a:bodyPr rtlCol="0" anchor="ctr"/>
+          <a:lstStyle/>
+          <a:p>
+            <a:pPr algn="ctr"/>
+            <a:endParaRPr lang="en-US"/>
+          </a:p>
+        </p:txBody>
+      </p:sp>
+      <p:sp>
+        <p:nvSpPr>
+          <p:cNvPr id="69" name="Freeform 68">
+            <a:extLst>
+              <a:ext uri="{FF2B5EF4-FFF2-40B4-BE49-F238E27FC236}">
+                <a16:creationId xmlns:a16="http://schemas.microsoft.com/office/drawing/2014/main" id="{C1D926D8-14AA-EC48-94D3-9A051EE905C4}"/>
+              </a:ext>
+            </a:extLst>
+          </p:cNvPr>
+          <p:cNvSpPr/>
+          <p:nvPr/>
+        </p:nvSpPr>
+        <p:spPr>
+          <a:xfrm>
+            <a:off x="5278582" y="1632857"/>
+            <a:ext cx="1953491" cy="3752603"/>
+          </a:xfrm>
+          <a:custGeom>
+            <a:avLst/>
+            <a:gdLst>
+              <a:gd name="connsiteX0" fmla="*/ 154379 w 1953491"/>
+              <a:gd name="connsiteY0" fmla="*/ 463138 h 3752603"/>
+              <a:gd name="connsiteX1" fmla="*/ 480950 w 1953491"/>
+              <a:gd name="connsiteY1" fmla="*/ 267195 h 3752603"/>
+              <a:gd name="connsiteX2" fmla="*/ 813460 w 1953491"/>
+              <a:gd name="connsiteY2" fmla="*/ 17813 h 3752603"/>
+              <a:gd name="connsiteX3" fmla="*/ 1169719 w 1953491"/>
+              <a:gd name="connsiteY3" fmla="*/ 0 h 3752603"/>
+              <a:gd name="connsiteX4" fmla="*/ 884712 w 1953491"/>
+              <a:gd name="connsiteY4" fmla="*/ 380011 h 3752603"/>
+              <a:gd name="connsiteX5" fmla="*/ 1264722 w 1953491"/>
+              <a:gd name="connsiteY5" fmla="*/ 469075 h 3752603"/>
+              <a:gd name="connsiteX6" fmla="*/ 1193470 w 1953491"/>
+              <a:gd name="connsiteY6" fmla="*/ 849086 h 3752603"/>
+              <a:gd name="connsiteX7" fmla="*/ 860961 w 1953491"/>
+              <a:gd name="connsiteY7" fmla="*/ 1193470 h 3752603"/>
+              <a:gd name="connsiteX8" fmla="*/ 1270660 w 1953491"/>
+              <a:gd name="connsiteY8" fmla="*/ 1407226 h 3752603"/>
+              <a:gd name="connsiteX9" fmla="*/ 1270660 w 1953491"/>
+              <a:gd name="connsiteY9" fmla="*/ 1822862 h 3752603"/>
+              <a:gd name="connsiteX10" fmla="*/ 1502228 w 1953491"/>
+              <a:gd name="connsiteY10" fmla="*/ 2190998 h 3752603"/>
+              <a:gd name="connsiteX11" fmla="*/ 1615044 w 1953491"/>
+              <a:gd name="connsiteY11" fmla="*/ 2565070 h 3752603"/>
+              <a:gd name="connsiteX12" fmla="*/ 1953491 w 1953491"/>
+              <a:gd name="connsiteY12" fmla="*/ 2867891 h 3752603"/>
+              <a:gd name="connsiteX13" fmla="*/ 1805049 w 1953491"/>
+              <a:gd name="connsiteY13" fmla="*/ 3313216 h 3752603"/>
+              <a:gd name="connsiteX14" fmla="*/ 1739735 w 1953491"/>
+              <a:gd name="connsiteY14" fmla="*/ 3633849 h 3752603"/>
+              <a:gd name="connsiteX15" fmla="*/ 1341912 w 1953491"/>
+              <a:gd name="connsiteY15" fmla="*/ 3728852 h 3752603"/>
+              <a:gd name="connsiteX16" fmla="*/ 872836 w 1953491"/>
+              <a:gd name="connsiteY16" fmla="*/ 3693226 h 3752603"/>
+              <a:gd name="connsiteX17" fmla="*/ 475013 w 1953491"/>
+              <a:gd name="connsiteY17" fmla="*/ 3645725 h 3752603"/>
+              <a:gd name="connsiteX18" fmla="*/ 0 w 1953491"/>
+              <a:gd name="connsiteY18" fmla="*/ 3752603 h 3752603"/>
+              <a:gd name="connsiteX19" fmla="*/ 178130 w 1953491"/>
+              <a:gd name="connsiteY19" fmla="*/ 3354779 h 3752603"/>
+              <a:gd name="connsiteX20" fmla="*/ 617517 w 1953491"/>
+              <a:gd name="connsiteY20" fmla="*/ 3313216 h 3752603"/>
+              <a:gd name="connsiteX21" fmla="*/ 207818 w 1953491"/>
+              <a:gd name="connsiteY21" fmla="*/ 3164774 h 3752603"/>
+              <a:gd name="connsiteX22" fmla="*/ 344384 w 1953491"/>
+              <a:gd name="connsiteY22" fmla="*/ 2719449 h 3752603"/>
+              <a:gd name="connsiteX23" fmla="*/ 629392 w 1953491"/>
+              <a:gd name="connsiteY23" fmla="*/ 2410691 h 3752603"/>
+              <a:gd name="connsiteX24" fmla="*/ 653143 w 1953491"/>
+              <a:gd name="connsiteY24" fmla="*/ 2000992 h 3752603"/>
+              <a:gd name="connsiteX25" fmla="*/ 409699 w 1953491"/>
+              <a:gd name="connsiteY25" fmla="*/ 1704109 h 3752603"/>
+              <a:gd name="connsiteX26" fmla="*/ 403761 w 1953491"/>
+              <a:gd name="connsiteY26" fmla="*/ 1383475 h 3752603"/>
+              <a:gd name="connsiteX27" fmla="*/ 154379 w 1953491"/>
+              <a:gd name="connsiteY27" fmla="*/ 979714 h 3752603"/>
+              <a:gd name="connsiteX28" fmla="*/ 154379 w 1953491"/>
+              <a:gd name="connsiteY28" fmla="*/ 463138 h 3752603"/>
+            </a:gdLst>
+            <a:ahLst/>
+            <a:cxnLst>
+              <a:cxn ang="0">
+                <a:pos x="connsiteX0" y="connsiteY0"/>
+              </a:cxn>
+              <a:cxn ang="0">
+                <a:pos x="connsiteX1" y="connsiteY1"/>
+              </a:cxn>
+              <a:cxn ang="0">
+                <a:pos x="connsiteX2" y="connsiteY2"/>
+              </a:cxn>
+              <a:cxn ang="0">
+                <a:pos x="connsiteX3" y="connsiteY3"/>
+              </a:cxn>
+              <a:cxn ang="0">
+                <a:pos x="connsiteX4" y="connsiteY4"/>
+              </a:cxn>
+              <a:cxn ang="0">
+                <a:pos x="connsiteX5" y="connsiteY5"/>
+              </a:cxn>
+              <a:cxn ang="0">
+                <a:pos x="connsiteX6" y="connsiteY6"/>
+              </a:cxn>
+              <a:cxn ang="0">
+                <a:pos x="connsiteX7" y="connsiteY7"/>
+              </a:cxn>
+              <a:cxn ang="0">
+                <a:pos x="connsiteX8" y="connsiteY8"/>
+              </a:cxn>
+              <a:cxn ang="0">
+                <a:pos x="connsiteX9" y="connsiteY9"/>
+              </a:cxn>
+              <a:cxn ang="0">
+                <a:pos x="connsiteX10" y="connsiteY10"/>
+              </a:cxn>
+              <a:cxn ang="0">
+                <a:pos x="connsiteX11" y="connsiteY11"/>
+              </a:cxn>
+              <a:cxn ang="0">
+                <a:pos x="connsiteX12" y="connsiteY12"/>
+              </a:cxn>
+              <a:cxn ang="0">
+                <a:pos x="connsiteX13" y="connsiteY13"/>
+              </a:cxn>
+              <a:cxn ang="0">
+                <a:pos x="connsiteX14" y="connsiteY14"/>
+              </a:cxn>
+              <a:cxn ang="0">
+                <a:pos x="connsiteX15" y="connsiteY15"/>
+              </a:cxn>
+              <a:cxn ang="0">
+                <a:pos x="connsiteX16" y="connsiteY16"/>
+              </a:cxn>
+              <a:cxn ang="0">
+                <a:pos x="connsiteX17" y="connsiteY17"/>
+              </a:cxn>
+              <a:cxn ang="0">
+                <a:pos x="connsiteX18" y="connsiteY18"/>
+              </a:cxn>
+              <a:cxn ang="0">
+                <a:pos x="connsiteX19" y="connsiteY19"/>
+              </a:cxn>
+              <a:cxn ang="0">
+                <a:pos x="connsiteX20" y="connsiteY20"/>
+              </a:cxn>
+              <a:cxn ang="0">
+                <a:pos x="connsiteX21" y="connsiteY21"/>
+              </a:cxn>
+              <a:cxn ang="0">
+                <a:pos x="connsiteX22" y="connsiteY22"/>
+              </a:cxn>
+              <a:cxn ang="0">
+                <a:pos x="connsiteX23" y="connsiteY23"/>
+              </a:cxn>
+              <a:cxn ang="0">
+                <a:pos x="connsiteX24" y="connsiteY24"/>
+              </a:cxn>
+              <a:cxn ang="0">
+                <a:pos x="connsiteX25" y="connsiteY25"/>
+              </a:cxn>
+              <a:cxn ang="0">
+                <a:pos x="connsiteX26" y="connsiteY26"/>
+              </a:cxn>
+              <a:cxn ang="0">
+                <a:pos x="connsiteX27" y="connsiteY27"/>
+              </a:cxn>
+              <a:cxn ang="0">
+                <a:pos x="connsiteX28" y="connsiteY28"/>
+              </a:cxn>
+            </a:cxnLst>
+            <a:rect l="l" t="t" r="r" b="b"/>
+            <a:pathLst>
+              <a:path w="1953491" h="3752603">
+                <a:moveTo>
+                  <a:pt x="154379" y="463138"/>
+                </a:moveTo>
+                <a:lnTo>
+                  <a:pt x="480950" y="267195"/>
+                </a:lnTo>
+                <a:lnTo>
+                  <a:pt x="813460" y="17813"/>
+                </a:lnTo>
+                <a:lnTo>
+                  <a:pt x="1169719" y="0"/>
+                </a:lnTo>
+                <a:lnTo>
+                  <a:pt x="884712" y="380011"/>
+                </a:lnTo>
+                <a:lnTo>
+                  <a:pt x="1264722" y="469075"/>
+                </a:lnTo>
+                <a:lnTo>
+                  <a:pt x="1193470" y="849086"/>
+                </a:lnTo>
+                <a:lnTo>
+                  <a:pt x="860961" y="1193470"/>
+                </a:lnTo>
+                <a:lnTo>
+                  <a:pt x="1270660" y="1407226"/>
+                </a:lnTo>
+                <a:lnTo>
+                  <a:pt x="1270660" y="1822862"/>
+                </a:lnTo>
+                <a:lnTo>
+                  <a:pt x="1502228" y="2190998"/>
+                </a:lnTo>
+                <a:lnTo>
+                  <a:pt x="1615044" y="2565070"/>
+                </a:lnTo>
+                <a:lnTo>
+                  <a:pt x="1953491" y="2867891"/>
+                </a:lnTo>
+                <a:lnTo>
+                  <a:pt x="1805049" y="3313216"/>
+                </a:lnTo>
+                <a:lnTo>
+                  <a:pt x="1739735" y="3633849"/>
+                </a:lnTo>
+                <a:lnTo>
+                  <a:pt x="1341912" y="3728852"/>
+                </a:lnTo>
+                <a:lnTo>
+                  <a:pt x="872836" y="3693226"/>
+                </a:lnTo>
+                <a:lnTo>
+                  <a:pt x="475013" y="3645725"/>
+                </a:lnTo>
+                <a:lnTo>
+                  <a:pt x="0" y="3752603"/>
+                </a:lnTo>
+                <a:lnTo>
+                  <a:pt x="178130" y="3354779"/>
+                </a:lnTo>
+                <a:lnTo>
+                  <a:pt x="617517" y="3313216"/>
+                </a:lnTo>
+                <a:lnTo>
+                  <a:pt x="207818" y="3164774"/>
+                </a:lnTo>
+                <a:lnTo>
+                  <a:pt x="344384" y="2719449"/>
+                </a:lnTo>
+                <a:lnTo>
+                  <a:pt x="629392" y="2410691"/>
+                </a:lnTo>
+                <a:lnTo>
+                  <a:pt x="653143" y="2000992"/>
+                </a:lnTo>
+                <a:lnTo>
+                  <a:pt x="409699" y="1704109"/>
+                </a:lnTo>
+                <a:lnTo>
+                  <a:pt x="403761" y="1383475"/>
+                </a:lnTo>
+                <a:lnTo>
+                  <a:pt x="154379" y="979714"/>
+                </a:lnTo>
+                <a:cubicBezTo>
+                  <a:pt x="156358" y="803563"/>
+                  <a:pt x="158338" y="627413"/>
+                  <a:pt x="154379" y="463138"/>
+                </a:cubicBezTo>
+                <a:close/>
+              </a:path>
+            </a:pathLst>
+          </a:custGeom>
+          <a:noFill/>
+          <a:ln w="28575">
+            <a:solidFill>
+              <a:schemeClr val="bg1">
+                <a:lumMod val="50000"/>
+              </a:schemeClr>
+            </a:solidFill>
+          </a:ln>
+          <a:effectLst>
+            <a:glow rad="101600">
+              <a:schemeClr val="accent3">
+                <a:satMod val="175000"/>
+                <a:alpha val="40000"/>
+              </a:schemeClr>
+            </a:glow>
+          </a:effectLst>
+        </p:spPr>
+        <p:style>
+          <a:lnRef idx="2">
+            <a:schemeClr val="accent1">
+              <a:shade val="50000"/>
+            </a:schemeClr>
+          </a:lnRef>
+          <a:fillRef idx="1">
+            <a:schemeClr val="accent1"/>
+          </a:fillRef>
+          <a:effectRef idx="0">
+            <a:schemeClr val="accent1"/>
+          </a:effectRef>
+          <a:fontRef idx="minor">
+            <a:schemeClr val="lt1"/>
+          </a:fontRef>
+        </p:style>
+        <p:txBody>
+          <a:bodyPr rtlCol="0" anchor="ctr"/>
+          <a:lstStyle/>
+          <a:p>
+            <a:pPr algn="ctr"/>
+            <a:endParaRPr lang="en-US"/>
+          </a:p>
+        </p:txBody>
+      </p:sp>
+      <p:sp>
+        <p:nvSpPr>
+          <p:cNvPr id="70" name="Freeform 69">
+            <a:extLst>
+              <a:ext uri="{FF2B5EF4-FFF2-40B4-BE49-F238E27FC236}">
+                <a16:creationId xmlns:a16="http://schemas.microsoft.com/office/drawing/2014/main" id="{E15BEA21-B1DE-C34D-ADC4-D16484833CAB}"/>
+              </a:ext>
+            </a:extLst>
+          </p:cNvPr>
+          <p:cNvSpPr/>
+          <p:nvPr/>
+        </p:nvSpPr>
+        <p:spPr>
+          <a:xfrm>
+            <a:off x="8668987" y="1573481"/>
+            <a:ext cx="2060369" cy="3895106"/>
+          </a:xfrm>
+          <a:custGeom>
+            <a:avLst/>
+            <a:gdLst>
+              <a:gd name="connsiteX0" fmla="*/ 267195 w 2060369"/>
+              <a:gd name="connsiteY0" fmla="*/ 320633 h 3895106"/>
+              <a:gd name="connsiteX1" fmla="*/ 267195 w 2060369"/>
+              <a:gd name="connsiteY1" fmla="*/ 320633 h 3895106"/>
+              <a:gd name="connsiteX2" fmla="*/ 492826 w 2060369"/>
+              <a:gd name="connsiteY2" fmla="*/ 338446 h 3895106"/>
+              <a:gd name="connsiteX3" fmla="*/ 647205 w 2060369"/>
+              <a:gd name="connsiteY3" fmla="*/ 195942 h 3895106"/>
+              <a:gd name="connsiteX4" fmla="*/ 724395 w 2060369"/>
+              <a:gd name="connsiteY4" fmla="*/ 0 h 3895106"/>
+              <a:gd name="connsiteX5" fmla="*/ 938151 w 2060369"/>
+              <a:gd name="connsiteY5" fmla="*/ 77189 h 3895106"/>
+              <a:gd name="connsiteX6" fmla="*/ 1163782 w 2060369"/>
+              <a:gd name="connsiteY6" fmla="*/ 35625 h 3895106"/>
+              <a:gd name="connsiteX7" fmla="*/ 1252847 w 2060369"/>
+              <a:gd name="connsiteY7" fmla="*/ 95002 h 3895106"/>
+              <a:gd name="connsiteX8" fmla="*/ 1140031 w 2060369"/>
+              <a:gd name="connsiteY8" fmla="*/ 273132 h 3895106"/>
+              <a:gd name="connsiteX9" fmla="*/ 1003465 w 2060369"/>
+              <a:gd name="connsiteY9" fmla="*/ 415636 h 3895106"/>
+              <a:gd name="connsiteX10" fmla="*/ 1140031 w 2060369"/>
+              <a:gd name="connsiteY10" fmla="*/ 498763 h 3895106"/>
+              <a:gd name="connsiteX11" fmla="*/ 1383475 w 2060369"/>
+              <a:gd name="connsiteY11" fmla="*/ 522514 h 3895106"/>
+              <a:gd name="connsiteX12" fmla="*/ 1401288 w 2060369"/>
+              <a:gd name="connsiteY12" fmla="*/ 706581 h 3895106"/>
+              <a:gd name="connsiteX13" fmla="*/ 1288473 w 2060369"/>
+              <a:gd name="connsiteY13" fmla="*/ 938150 h 3895106"/>
+              <a:gd name="connsiteX14" fmla="*/ 1140031 w 2060369"/>
+              <a:gd name="connsiteY14" fmla="*/ 1074716 h 3895106"/>
+              <a:gd name="connsiteX15" fmla="*/ 985652 w 2060369"/>
+              <a:gd name="connsiteY15" fmla="*/ 1229096 h 3895106"/>
+              <a:gd name="connsiteX16" fmla="*/ 1175657 w 2060369"/>
+              <a:gd name="connsiteY16" fmla="*/ 1300348 h 3895106"/>
+              <a:gd name="connsiteX17" fmla="*/ 1312223 w 2060369"/>
+              <a:gd name="connsiteY17" fmla="*/ 1436914 h 3895106"/>
+              <a:gd name="connsiteX18" fmla="*/ 1347849 w 2060369"/>
+              <a:gd name="connsiteY18" fmla="*/ 1656607 h 3895106"/>
+              <a:gd name="connsiteX19" fmla="*/ 1395351 w 2060369"/>
+              <a:gd name="connsiteY19" fmla="*/ 1846613 h 3895106"/>
+              <a:gd name="connsiteX20" fmla="*/ 1531917 w 2060369"/>
+              <a:gd name="connsiteY20" fmla="*/ 2024742 h 3895106"/>
+              <a:gd name="connsiteX21" fmla="*/ 1644732 w 2060369"/>
+              <a:gd name="connsiteY21" fmla="*/ 2179122 h 3895106"/>
+              <a:gd name="connsiteX22" fmla="*/ 1692234 w 2060369"/>
+              <a:gd name="connsiteY22" fmla="*/ 2452254 h 3895106"/>
+              <a:gd name="connsiteX23" fmla="*/ 1775361 w 2060369"/>
+              <a:gd name="connsiteY23" fmla="*/ 2666010 h 3895106"/>
+              <a:gd name="connsiteX24" fmla="*/ 1656608 w 2060369"/>
+              <a:gd name="connsiteY24" fmla="*/ 2814451 h 3895106"/>
+              <a:gd name="connsiteX25" fmla="*/ 1864426 w 2060369"/>
+              <a:gd name="connsiteY25" fmla="*/ 2802576 h 3895106"/>
+              <a:gd name="connsiteX26" fmla="*/ 2042556 w 2060369"/>
+              <a:gd name="connsiteY26" fmla="*/ 2897579 h 3895106"/>
+              <a:gd name="connsiteX27" fmla="*/ 2060369 w 2060369"/>
+              <a:gd name="connsiteY27" fmla="*/ 3040083 h 3895106"/>
+              <a:gd name="connsiteX28" fmla="*/ 1995055 w 2060369"/>
+              <a:gd name="connsiteY28" fmla="*/ 3253838 h 3895106"/>
+              <a:gd name="connsiteX29" fmla="*/ 1822862 w 2060369"/>
+              <a:gd name="connsiteY29" fmla="*/ 3384467 h 3895106"/>
+              <a:gd name="connsiteX30" fmla="*/ 1917865 w 2060369"/>
+              <a:gd name="connsiteY30" fmla="*/ 3574472 h 3895106"/>
+              <a:gd name="connsiteX31" fmla="*/ 1805049 w 2060369"/>
+              <a:gd name="connsiteY31" fmla="*/ 3752602 h 3895106"/>
+              <a:gd name="connsiteX32" fmla="*/ 1615044 w 2060369"/>
+              <a:gd name="connsiteY32" fmla="*/ 3770415 h 3895106"/>
+              <a:gd name="connsiteX33" fmla="*/ 1377538 w 2060369"/>
+              <a:gd name="connsiteY33" fmla="*/ 3758540 h 3895106"/>
+              <a:gd name="connsiteX34" fmla="*/ 1140031 w 2060369"/>
+              <a:gd name="connsiteY34" fmla="*/ 3835729 h 3895106"/>
+              <a:gd name="connsiteX35" fmla="*/ 1009403 w 2060369"/>
+              <a:gd name="connsiteY35" fmla="*/ 3758540 h 3895106"/>
+              <a:gd name="connsiteX36" fmla="*/ 795647 w 2060369"/>
+              <a:gd name="connsiteY36" fmla="*/ 3758540 h 3895106"/>
+              <a:gd name="connsiteX37" fmla="*/ 528452 w 2060369"/>
+              <a:gd name="connsiteY37" fmla="*/ 3716976 h 3895106"/>
+              <a:gd name="connsiteX38" fmla="*/ 380010 w 2060369"/>
+              <a:gd name="connsiteY38" fmla="*/ 3895106 h 3895106"/>
+              <a:gd name="connsiteX39" fmla="*/ 213756 w 2060369"/>
+              <a:gd name="connsiteY39" fmla="*/ 3782290 h 3895106"/>
+              <a:gd name="connsiteX40" fmla="*/ 0 w 2060369"/>
+              <a:gd name="connsiteY40" fmla="*/ 3847605 h 3895106"/>
+              <a:gd name="connsiteX41" fmla="*/ 35626 w 2060369"/>
+              <a:gd name="connsiteY41" fmla="*/ 3687288 h 3895106"/>
+              <a:gd name="connsiteX42" fmla="*/ 172192 w 2060369"/>
+              <a:gd name="connsiteY42" fmla="*/ 3491345 h 3895106"/>
+              <a:gd name="connsiteX43" fmla="*/ 409699 w 2060369"/>
+              <a:gd name="connsiteY43" fmla="*/ 3384467 h 3895106"/>
+              <a:gd name="connsiteX44" fmla="*/ 587829 w 2060369"/>
+              <a:gd name="connsiteY44" fmla="*/ 3461657 h 3895106"/>
+              <a:gd name="connsiteX45" fmla="*/ 789709 w 2060369"/>
+              <a:gd name="connsiteY45" fmla="*/ 3342903 h 3895106"/>
+              <a:gd name="connsiteX46" fmla="*/ 587829 w 2060369"/>
+              <a:gd name="connsiteY46" fmla="*/ 3348841 h 3895106"/>
+              <a:gd name="connsiteX47" fmla="*/ 433449 w 2060369"/>
+              <a:gd name="connsiteY47" fmla="*/ 3259776 h 3895106"/>
+              <a:gd name="connsiteX48" fmla="*/ 219694 w 2060369"/>
+              <a:gd name="connsiteY48" fmla="*/ 3158836 h 3895106"/>
+              <a:gd name="connsiteX49" fmla="*/ 231569 w 2060369"/>
+              <a:gd name="connsiteY49" fmla="*/ 2927267 h 3895106"/>
+              <a:gd name="connsiteX50" fmla="*/ 469075 w 2060369"/>
+              <a:gd name="connsiteY50" fmla="*/ 2927267 h 3895106"/>
+              <a:gd name="connsiteX51" fmla="*/ 457200 w 2060369"/>
+              <a:gd name="connsiteY51" fmla="*/ 2731324 h 3895106"/>
+              <a:gd name="connsiteX52" fmla="*/ 385948 w 2060369"/>
+              <a:gd name="connsiteY52" fmla="*/ 2487880 h 3895106"/>
+              <a:gd name="connsiteX53" fmla="*/ 617517 w 2060369"/>
+              <a:gd name="connsiteY53" fmla="*/ 2452254 h 3895106"/>
+              <a:gd name="connsiteX54" fmla="*/ 831273 w 2060369"/>
+              <a:gd name="connsiteY54" fmla="*/ 2452254 h 3895106"/>
+              <a:gd name="connsiteX55" fmla="*/ 896587 w 2060369"/>
+              <a:gd name="connsiteY55" fmla="*/ 2214748 h 3895106"/>
+              <a:gd name="connsiteX56" fmla="*/ 789709 w 2060369"/>
+              <a:gd name="connsiteY56" fmla="*/ 2042555 h 3895106"/>
+              <a:gd name="connsiteX57" fmla="*/ 831273 w 2060369"/>
+              <a:gd name="connsiteY57" fmla="*/ 1799111 h 3895106"/>
+              <a:gd name="connsiteX58" fmla="*/ 581891 w 2060369"/>
+              <a:gd name="connsiteY58" fmla="*/ 1751610 h 3895106"/>
+              <a:gd name="connsiteX59" fmla="*/ 415636 w 2060369"/>
+              <a:gd name="connsiteY59" fmla="*/ 1757548 h 3895106"/>
+              <a:gd name="connsiteX60" fmla="*/ 457200 w 2060369"/>
+              <a:gd name="connsiteY60" fmla="*/ 1561605 h 3895106"/>
+              <a:gd name="connsiteX61" fmla="*/ 546265 w 2060369"/>
+              <a:gd name="connsiteY61" fmla="*/ 1365662 h 3895106"/>
+              <a:gd name="connsiteX62" fmla="*/ 332509 w 2060369"/>
+              <a:gd name="connsiteY62" fmla="*/ 1395350 h 3895106"/>
+              <a:gd name="connsiteX63" fmla="*/ 380010 w 2060369"/>
+              <a:gd name="connsiteY63" fmla="*/ 1223158 h 3895106"/>
+              <a:gd name="connsiteX64" fmla="*/ 142504 w 2060369"/>
+              <a:gd name="connsiteY64" fmla="*/ 1288472 h 3895106"/>
+              <a:gd name="connsiteX65" fmla="*/ 267195 w 2060369"/>
+              <a:gd name="connsiteY65" fmla="*/ 1116280 h 3895106"/>
+              <a:gd name="connsiteX66" fmla="*/ 445325 w 2060369"/>
+              <a:gd name="connsiteY66" fmla="*/ 961901 h 3895106"/>
+              <a:gd name="connsiteX67" fmla="*/ 231569 w 2060369"/>
+              <a:gd name="connsiteY67" fmla="*/ 955963 h 3895106"/>
+              <a:gd name="connsiteX68" fmla="*/ 285008 w 2060369"/>
+              <a:gd name="connsiteY68" fmla="*/ 789709 h 3895106"/>
+              <a:gd name="connsiteX69" fmla="*/ 308758 w 2060369"/>
+              <a:gd name="connsiteY69" fmla="*/ 593766 h 3895106"/>
+              <a:gd name="connsiteX70" fmla="*/ 279070 w 2060369"/>
+              <a:gd name="connsiteY70" fmla="*/ 385948 h 3895106"/>
+              <a:gd name="connsiteX71" fmla="*/ 267195 w 2060369"/>
+              <a:gd name="connsiteY71" fmla="*/ 320633 h 3895106"/>
+            </a:gdLst>
+            <a:ahLst/>
+            <a:cxnLst>
+              <a:cxn ang="0">
+                <a:pos x="connsiteX0" y="connsiteY0"/>
+              </a:cxn>
+              <a:cxn ang="0">
+                <a:pos x="connsiteX1" y="connsiteY1"/>
+              </a:cxn>
+              <a:cxn ang="0">
+                <a:pos x="connsiteX2" y="connsiteY2"/>
+              </a:cxn>
+              <a:cxn ang="0">
+                <a:pos x="connsiteX3" y="connsiteY3"/>
+              </a:cxn>
+              <a:cxn ang="0">
+                <a:pos x="connsiteX4" y="connsiteY4"/>
+              </a:cxn>
+              <a:cxn ang="0">
+                <a:pos x="connsiteX5" y="connsiteY5"/>
+              </a:cxn>
+              <a:cxn ang="0">
+                <a:pos x="connsiteX6" y="connsiteY6"/>
+              </a:cxn>
+              <a:cxn ang="0">
+                <a:pos x="connsiteX7" y="connsiteY7"/>
+              </a:cxn>
+              <a:cxn ang="0">
+                <a:pos x="connsiteX8" y="connsiteY8"/>
+              </a:cxn>
+              <a:cxn ang="0">
+                <a:pos x="connsiteX9" y="connsiteY9"/>
+              </a:cxn>
+              <a:cxn ang="0">
+                <a:pos x="connsiteX10" y="connsiteY10"/>
+              </a:cxn>
+              <a:cxn ang="0">
+                <a:pos x="connsiteX11" y="connsiteY11"/>
+              </a:cxn>
+              <a:cxn ang="0">
+                <a:pos x="connsiteX12" y="connsiteY12"/>
+              </a:cxn>
+              <a:cxn ang="0">
+                <a:pos x="connsiteX13" y="connsiteY13"/>
+              </a:cxn>
+              <a:cxn ang="0">
+                <a:pos x="connsiteX14" y="connsiteY14"/>
+              </a:cxn>
+              <a:cxn ang="0">
+                <a:pos x="connsiteX15" y="connsiteY15"/>
+              </a:cxn>
+              <a:cxn ang="0">
+                <a:pos x="connsiteX16" y="connsiteY16"/>
+              </a:cxn>
+              <a:cxn ang="0">
+                <a:pos x="connsiteX17" y="connsiteY17"/>
+              </a:cxn>
+              <a:cxn ang="0">
+                <a:pos x="connsiteX18" y="connsiteY18"/>
+              </a:cxn>
+              <a:cxn ang="0">
+                <a:pos x="connsiteX19" y="connsiteY19"/>
+              </a:cxn>
+              <a:cxn ang="0">
+                <a:pos x="connsiteX20" y="connsiteY20"/>
+              </a:cxn>
+              <a:cxn ang="0">
+                <a:pos x="connsiteX21" y="connsiteY21"/>
+              </a:cxn>
+              <a:cxn ang="0">
+                <a:pos x="connsiteX22" y="connsiteY22"/>
+              </a:cxn>
+              <a:cxn ang="0">
+                <a:pos x="connsiteX23" y="connsiteY23"/>
+              </a:cxn>
+              <a:cxn ang="0">
+                <a:pos x="connsiteX24" y="connsiteY24"/>
+              </a:cxn>
+              <a:cxn ang="0">
+                <a:pos x="connsiteX25" y="connsiteY25"/>
+              </a:cxn>
+              <a:cxn ang="0">
+                <a:pos x="connsiteX26" y="connsiteY26"/>
+              </a:cxn>
+              <a:cxn ang="0">
+                <a:pos x="connsiteX27" y="connsiteY27"/>
+              </a:cxn>
+              <a:cxn ang="0">
+                <a:pos x="connsiteX28" y="connsiteY28"/>
+              </a:cxn>
+              <a:cxn ang="0">
+                <a:pos x="connsiteX29" y="connsiteY29"/>
+              </a:cxn>
+              <a:cxn ang="0">
+                <a:pos x="connsiteX30" y="connsiteY30"/>
+              </a:cxn>
+              <a:cxn ang="0">
+                <a:pos x="connsiteX31" y="connsiteY31"/>
+              </a:cxn>
+              <a:cxn ang="0">
+                <a:pos x="connsiteX32" y="connsiteY32"/>
+              </a:cxn>
+              <a:cxn ang="0">
+                <a:pos x="connsiteX33" y="connsiteY33"/>
+              </a:cxn>
+              <a:cxn ang="0">
+                <a:pos x="connsiteX34" y="connsiteY34"/>
+              </a:cxn>
+              <a:cxn ang="0">
+                <a:pos x="connsiteX35" y="connsiteY35"/>
+              </a:cxn>
+              <a:cxn ang="0">
+                <a:pos x="connsiteX36" y="connsiteY36"/>
+              </a:cxn>
+              <a:cxn ang="0">
+                <a:pos x="connsiteX37" y="connsiteY37"/>
+              </a:cxn>
+              <a:cxn ang="0">
+                <a:pos x="connsiteX38" y="connsiteY38"/>
+              </a:cxn>
+              <a:cxn ang="0">
+                <a:pos x="connsiteX39" y="connsiteY39"/>
+              </a:cxn>
+              <a:cxn ang="0">
+                <a:pos x="connsiteX40" y="connsiteY40"/>
+              </a:cxn>
+              <a:cxn ang="0">
+                <a:pos x="connsiteX41" y="connsiteY41"/>
+              </a:cxn>
+              <a:cxn ang="0">
+                <a:pos x="connsiteX42" y="connsiteY42"/>
+              </a:cxn>
+              <a:cxn ang="0">
+                <a:pos x="connsiteX43" y="connsiteY43"/>
+              </a:cxn>
+              <a:cxn ang="0">
+                <a:pos x="connsiteX44" y="connsiteY44"/>
+              </a:cxn>
+              <a:cxn ang="0">
+                <a:pos x="connsiteX45" y="connsiteY45"/>
+              </a:cxn>
+              <a:cxn ang="0">
+                <a:pos x="connsiteX46" y="connsiteY46"/>
+              </a:cxn>
+              <a:cxn ang="0">
+                <a:pos x="connsiteX47" y="connsiteY47"/>
+              </a:cxn>
+              <a:cxn ang="0">
+                <a:pos x="connsiteX48" y="connsiteY48"/>
+              </a:cxn>
+              <a:cxn ang="0">
+                <a:pos x="connsiteX49" y="connsiteY49"/>
+              </a:cxn>
+              <a:cxn ang="0">
+                <a:pos x="connsiteX50" y="connsiteY50"/>
+              </a:cxn>
+              <a:cxn ang="0">
+                <a:pos x="connsiteX51" y="connsiteY51"/>
+              </a:cxn>
+              <a:cxn ang="0">
+                <a:pos x="connsiteX52" y="connsiteY52"/>
+              </a:cxn>
+              <a:cxn ang="0">
+                <a:pos x="connsiteX53" y="connsiteY53"/>
+              </a:cxn>
+              <a:cxn ang="0">
+                <a:pos x="connsiteX54" y="connsiteY54"/>
+              </a:cxn>
+              <a:cxn ang="0">
+                <a:pos x="connsiteX55" y="connsiteY55"/>
+              </a:cxn>
+              <a:cxn ang="0">
+                <a:pos x="connsiteX56" y="connsiteY56"/>
+              </a:cxn>
+              <a:cxn ang="0">
+                <a:pos x="connsiteX57" y="connsiteY57"/>
+              </a:cxn>
+              <a:cxn ang="0">
+                <a:pos x="connsiteX58" y="connsiteY58"/>
+              </a:cxn>
+              <a:cxn ang="0">
+                <a:pos x="connsiteX59" y="connsiteY59"/>
+              </a:cxn>
+              <a:cxn ang="0">
+                <a:pos x="connsiteX60" y="connsiteY60"/>
+              </a:cxn>
+              <a:cxn ang="0">
+                <a:pos x="connsiteX61" y="connsiteY61"/>
+              </a:cxn>
+              <a:cxn ang="0">
+                <a:pos x="connsiteX62" y="connsiteY62"/>
+              </a:cxn>
+              <a:cxn ang="0">
+                <a:pos x="connsiteX63" y="connsiteY63"/>
+              </a:cxn>
+              <a:cxn ang="0">
+                <a:pos x="connsiteX64" y="connsiteY64"/>
+              </a:cxn>
+              <a:cxn ang="0">
+                <a:pos x="connsiteX65" y="connsiteY65"/>
+              </a:cxn>
+              <a:cxn ang="0">
+                <a:pos x="connsiteX66" y="connsiteY66"/>
+              </a:cxn>
+              <a:cxn ang="0">
+                <a:pos x="connsiteX67" y="connsiteY67"/>
+              </a:cxn>
+              <a:cxn ang="0">
+                <a:pos x="connsiteX68" y="connsiteY68"/>
+              </a:cxn>
+              <a:cxn ang="0">
+                <a:pos x="connsiteX69" y="connsiteY69"/>
+              </a:cxn>
+              <a:cxn ang="0">
+                <a:pos x="connsiteX70" y="connsiteY70"/>
+              </a:cxn>
+              <a:cxn ang="0">
+                <a:pos x="connsiteX71" y="connsiteY71"/>
+              </a:cxn>
+            </a:cxnLst>
+            <a:rect l="l" t="t" r="r" b="b"/>
+            <a:pathLst>
+              <a:path w="2060369" h="3895106">
+                <a:moveTo>
+                  <a:pt x="267195" y="320633"/>
+                </a:moveTo>
+                <a:lnTo>
+                  <a:pt x="267195" y="320633"/>
+                </a:lnTo>
+                <a:lnTo>
+                  <a:pt x="492826" y="338446"/>
+                </a:lnTo>
+                <a:lnTo>
+                  <a:pt x="647205" y="195942"/>
+                </a:lnTo>
+                <a:lnTo>
+                  <a:pt x="724395" y="0"/>
+                </a:lnTo>
+                <a:lnTo>
+                  <a:pt x="938151" y="77189"/>
+                </a:lnTo>
+                <a:lnTo>
+                  <a:pt x="1163782" y="35625"/>
+                </a:lnTo>
+                <a:lnTo>
+                  <a:pt x="1252847" y="95002"/>
+                </a:lnTo>
+                <a:lnTo>
+                  <a:pt x="1140031" y="273132"/>
+                </a:lnTo>
+                <a:lnTo>
+                  <a:pt x="1003465" y="415636"/>
+                </a:lnTo>
+                <a:lnTo>
+                  <a:pt x="1140031" y="498763"/>
+                </a:lnTo>
+                <a:lnTo>
+                  <a:pt x="1383475" y="522514"/>
+                </a:lnTo>
+                <a:lnTo>
+                  <a:pt x="1401288" y="706581"/>
+                </a:lnTo>
+                <a:lnTo>
+                  <a:pt x="1288473" y="938150"/>
+                </a:lnTo>
+                <a:lnTo>
+                  <a:pt x="1140031" y="1074716"/>
+                </a:lnTo>
+                <a:lnTo>
+                  <a:pt x="985652" y="1229096"/>
+                </a:lnTo>
+                <a:lnTo>
+                  <a:pt x="1175657" y="1300348"/>
+                </a:lnTo>
+                <a:lnTo>
+                  <a:pt x="1312223" y="1436914"/>
+                </a:lnTo>
+                <a:lnTo>
+                  <a:pt x="1347849" y="1656607"/>
+                </a:lnTo>
+                <a:lnTo>
+                  <a:pt x="1395351" y="1846613"/>
+                </a:lnTo>
+                <a:lnTo>
+                  <a:pt x="1531917" y="2024742"/>
+                </a:lnTo>
+                <a:lnTo>
+                  <a:pt x="1644732" y="2179122"/>
+                </a:lnTo>
+                <a:lnTo>
+                  <a:pt x="1692234" y="2452254"/>
+                </a:lnTo>
+                <a:lnTo>
+                  <a:pt x="1775361" y="2666010"/>
+                </a:lnTo>
+                <a:lnTo>
+                  <a:pt x="1656608" y="2814451"/>
+                </a:lnTo>
+                <a:lnTo>
+                  <a:pt x="1864426" y="2802576"/>
+                </a:lnTo>
+                <a:lnTo>
+                  <a:pt x="2042556" y="2897579"/>
+                </a:lnTo>
+                <a:lnTo>
+                  <a:pt x="2060369" y="3040083"/>
+                </a:lnTo>
+                <a:lnTo>
+                  <a:pt x="1995055" y="3253838"/>
+                </a:lnTo>
+                <a:lnTo>
+                  <a:pt x="1822862" y="3384467"/>
+                </a:lnTo>
+                <a:lnTo>
+                  <a:pt x="1917865" y="3574472"/>
+                </a:lnTo>
+                <a:lnTo>
+                  <a:pt x="1805049" y="3752602"/>
+                </a:lnTo>
+                <a:lnTo>
+                  <a:pt x="1615044" y="3770415"/>
+                </a:lnTo>
+                <a:lnTo>
+                  <a:pt x="1377538" y="3758540"/>
+                </a:lnTo>
+                <a:lnTo>
+                  <a:pt x="1140031" y="3835729"/>
+                </a:lnTo>
+                <a:lnTo>
+                  <a:pt x="1009403" y="3758540"/>
+                </a:lnTo>
+                <a:lnTo>
+                  <a:pt x="795647" y="3758540"/>
+                </a:lnTo>
+                <a:lnTo>
+                  <a:pt x="528452" y="3716976"/>
+                </a:lnTo>
+                <a:lnTo>
+                  <a:pt x="380010" y="3895106"/>
+                </a:lnTo>
+                <a:lnTo>
+                  <a:pt x="213756" y="3782290"/>
+                </a:lnTo>
+                <a:lnTo>
+                  <a:pt x="0" y="3847605"/>
+                </a:lnTo>
+                <a:lnTo>
+                  <a:pt x="35626" y="3687288"/>
+                </a:lnTo>
+                <a:lnTo>
+                  <a:pt x="172192" y="3491345"/>
+                </a:lnTo>
+                <a:lnTo>
+                  <a:pt x="409699" y="3384467"/>
+                </a:lnTo>
+                <a:lnTo>
+                  <a:pt x="587829" y="3461657"/>
+                </a:lnTo>
+                <a:lnTo>
+                  <a:pt x="789709" y="3342903"/>
+                </a:lnTo>
+                <a:lnTo>
+                  <a:pt x="587829" y="3348841"/>
+                </a:lnTo>
+                <a:lnTo>
+                  <a:pt x="433449" y="3259776"/>
+                </a:lnTo>
+                <a:lnTo>
+                  <a:pt x="219694" y="3158836"/>
+                </a:lnTo>
+                <a:lnTo>
+                  <a:pt x="231569" y="2927267"/>
+                </a:lnTo>
+                <a:lnTo>
+                  <a:pt x="469075" y="2927267"/>
+                </a:lnTo>
+                <a:lnTo>
+                  <a:pt x="457200" y="2731324"/>
+                </a:lnTo>
+                <a:lnTo>
+                  <a:pt x="385948" y="2487880"/>
+                </a:lnTo>
+                <a:lnTo>
+                  <a:pt x="617517" y="2452254"/>
+                </a:lnTo>
+                <a:lnTo>
+                  <a:pt x="831273" y="2452254"/>
+                </a:lnTo>
+                <a:lnTo>
+                  <a:pt x="896587" y="2214748"/>
+                </a:lnTo>
+                <a:lnTo>
+                  <a:pt x="789709" y="2042555"/>
+                </a:lnTo>
+                <a:lnTo>
+                  <a:pt x="831273" y="1799111"/>
+                </a:lnTo>
+                <a:lnTo>
+                  <a:pt x="581891" y="1751610"/>
+                </a:lnTo>
+                <a:lnTo>
+                  <a:pt x="415636" y="1757548"/>
+                </a:lnTo>
+                <a:lnTo>
+                  <a:pt x="457200" y="1561605"/>
+                </a:lnTo>
+                <a:lnTo>
+                  <a:pt x="546265" y="1365662"/>
+                </a:lnTo>
+                <a:lnTo>
+                  <a:pt x="332509" y="1395350"/>
+                </a:lnTo>
+                <a:lnTo>
+                  <a:pt x="380010" y="1223158"/>
+                </a:lnTo>
+                <a:lnTo>
+                  <a:pt x="142504" y="1288472"/>
+                </a:lnTo>
+                <a:lnTo>
+                  <a:pt x="267195" y="1116280"/>
+                </a:lnTo>
+                <a:lnTo>
+                  <a:pt x="445325" y="961901"/>
+                </a:lnTo>
+                <a:lnTo>
+                  <a:pt x="231569" y="955963"/>
+                </a:lnTo>
+                <a:lnTo>
+                  <a:pt x="285008" y="789709"/>
+                </a:lnTo>
+                <a:lnTo>
+                  <a:pt x="308758" y="593766"/>
+                </a:lnTo>
+                <a:lnTo>
+                  <a:pt x="279070" y="385948"/>
+                </a:lnTo>
+                <a:lnTo>
+                  <a:pt x="267195" y="320633"/>
+                </a:lnTo>
+                <a:close/>
+              </a:path>
+            </a:pathLst>
+          </a:custGeom>
+          <a:noFill/>
+          <a:ln w="28575">
+            <a:solidFill>
+              <a:schemeClr val="bg1">
+                <a:lumMod val="50000"/>
+              </a:schemeClr>
+            </a:solidFill>
+          </a:ln>
+          <a:effectLst>
+            <a:glow rad="101600">
+              <a:schemeClr val="accent3">
+                <a:satMod val="175000"/>
+                <a:alpha val="40000"/>
+              </a:schemeClr>
+            </a:glow>
+          </a:effectLst>
+        </p:spPr>
+        <p:style>
+          <a:lnRef idx="2">
+            <a:schemeClr val="accent1">
+              <a:shade val="50000"/>
+            </a:schemeClr>
+          </a:lnRef>
+          <a:fillRef idx="1">
+            <a:schemeClr val="accent1"/>
+          </a:fillRef>
+          <a:effectRef idx="0">
+            <a:schemeClr val="accent1"/>
+          </a:effectRef>
+          <a:fontRef idx="minor">
+            <a:schemeClr val="lt1"/>
+          </a:fontRef>
+        </p:style>
+        <p:txBody>
+          <a:bodyPr rtlCol="0" anchor="ctr"/>
+          <a:lstStyle/>
+          <a:p>
+            <a:pPr algn="ctr"/>
+            <a:endParaRPr lang="en-US"/>
+          </a:p>
+        </p:txBody>
+      </p:sp>
+    </p:spTree>
+    <p:extLst>
+      <p:ext uri="{BB962C8B-B14F-4D97-AF65-F5344CB8AC3E}">
+        <p14:creationId xmlns:p14="http://schemas.microsoft.com/office/powerpoint/2010/main" val="3359943361"/>
       </p:ext>
     </p:extLst>
   </p:cSld>
